--- a/lessons_I/9-11/les_6/les_6_dynamic.pptx
+++ b/lessons_I/9-11/les_6/les_6_dynamic.pptx
@@ -259,8 +259,11 @@
     </a:lvl9pPr>
   </p:defaultTextStyle>
   <p:extLst>
+    <p:ext uri="{EFAFB233-063F-42B5-8137-9DF3F51BA10A}">
+      <p15:sldGuideLst xmlns:p15="http://schemas.microsoft.com/office/powerpoint/2012/main"/>
+    </p:ext>
     <p:ext uri="http://customooxmlschemas.google.com/">
-      <go:slidesCustomData xmlns:go="http://customooxmlschemas.google.com/" xmlns:p15="http://schemas.microsoft.com/office/powerpoint/2012/main" xmlns:p14="http://schemas.microsoft.com/office/powerpoint/2010/main" xmlns:com="http://schemas.openxmlformats.org/drawingml/2006/compatibility" xmlns:pvml="urn:schemas-microsoft-com:office:powerpoint" xmlns:v="urn:schemas-microsoft-com:vml" xmlns:o="urn:schemas-microsoft-com:office:office" xmlns:dgm="http://schemas.openxmlformats.org/drawingml/2006/diagram" xmlns:c="http://schemas.openxmlformats.org/drawingml/2006/chart" xmlns:mv="urn:schemas-microsoft-com:mac:vml" xmlns:mc="http://schemas.openxmlformats.org/markup-compatibility/2006" xmlns="" r:id="rId24" roundtripDataSignature="AMtx7mj9pewwIzxdj/Uj2e9bq3d7G3Yu6w=="/>
+      <go:slidesCustomData xmlns="" xmlns:mc="http://schemas.openxmlformats.org/markup-compatibility/2006" xmlns:mv="urn:schemas-microsoft-com:mac:vml" xmlns:c="http://schemas.openxmlformats.org/drawingml/2006/chart" xmlns:dgm="http://schemas.openxmlformats.org/drawingml/2006/diagram" xmlns:o="urn:schemas-microsoft-com:office:office" xmlns:v="urn:schemas-microsoft-com:vml" xmlns:pvml="urn:schemas-microsoft-com:office:powerpoint" xmlns:com="http://schemas.openxmlformats.org/drawingml/2006/compatibility" xmlns:p14="http://schemas.microsoft.com/office/powerpoint/2010/main" xmlns:p15="http://schemas.microsoft.com/office/powerpoint/2012/main" xmlns:go="http://customooxmlschemas.google.com/" r:id="rId24" roundtripDataSignature="AMtx7mj9pewwIzxdj/Uj2e9bq3d7G3Yu6w=="/>
     </p:ext>
   </p:extLst>
 </p:presentation>
@@ -27325,7 +27328,7 @@
               <a:buNone/>
             </a:pPr>
             <a:r>
-              <a:rPr lang="ru-RU" sz="1800">
+              <a:rPr lang="ru-RU" sz="1800" b="1" dirty="0">
                 <a:solidFill>
                   <a:schemeClr val="dk1"/>
                 </a:solidFill>
@@ -27334,9 +27337,21 @@
                 <a:cs typeface="Calibri"/>
                 <a:sym typeface="Calibri"/>
               </a:rPr>
-              <a:t>Динамическая память также может быть выделена для массива</a:t>
+              <a:t>Динамическая память </a:t>
             </a:r>
-            <a:endParaRPr sz="1800">
+            <a:r>
+              <a:rPr lang="ru-RU" sz="1800" dirty="0">
+                <a:solidFill>
+                  <a:schemeClr val="dk1"/>
+                </a:solidFill>
+                <a:latin typeface="Calibri"/>
+                <a:ea typeface="Calibri"/>
+                <a:cs typeface="Calibri"/>
+                <a:sym typeface="Calibri"/>
+              </a:rPr>
+              <a:t>также может быть выделена для массива</a:t>
+            </a:r>
+            <a:endParaRPr sz="1800" dirty="0">
               <a:solidFill>
                 <a:schemeClr val="dk1"/>
               </a:solidFill>
@@ -27359,7 +27374,7 @@
               </a:spcAft>
               <a:buNone/>
             </a:pPr>
-            <a:endParaRPr sz="1800">
+            <a:endParaRPr sz="1800" dirty="0">
               <a:solidFill>
                 <a:schemeClr val="dk1"/>
               </a:solidFill>
@@ -27382,7 +27397,7 @@
               </a:spcAft>
               <a:buNone/>
             </a:pPr>
-            <a:endParaRPr sz="1800">
+            <a:endParaRPr sz="1800" dirty="0">
               <a:solidFill>
                 <a:schemeClr val="dk1"/>
               </a:solidFill>
@@ -27544,7 +27559,7 @@
               <a:buNone/>
             </a:pPr>
             <a:r>
-              <a:rPr lang="ru-RU" sz="1800">
+              <a:rPr lang="ru-RU" sz="1800" dirty="0">
                 <a:solidFill>
                   <a:schemeClr val="dk1"/>
                 </a:solidFill>
@@ -27555,7 +27570,7 @@
               </a:rPr>
               <a:t>Динамическое выделение памяти полезно во многих случаях, к примеру, когда вашей программе необходимо получить изображение, но она не знает его возможный размер и количество памяти, необходимое для его хранения</a:t>
             </a:r>
-            <a:endParaRPr sz="1800">
+            <a:endParaRPr sz="1800" dirty="0">
               <a:solidFill>
                 <a:schemeClr val="dk1"/>
               </a:solidFill>
@@ -28030,7 +28045,7 @@
               <a:buNone/>
             </a:pPr>
             <a:r>
-              <a:rPr lang="ru-RU" sz="1800" b="1">
+              <a:rPr lang="ru-RU" sz="1800" b="1" dirty="0">
                 <a:solidFill>
                   <a:schemeClr val="dk1"/>
                 </a:solidFill>
@@ -28041,7 +28056,7 @@
               </a:rPr>
               <a:t>Многомерные массивы</a:t>
             </a:r>
-            <a:endParaRPr sz="1800" b="1">
+            <a:endParaRPr sz="1800" b="1" dirty="0">
               <a:solidFill>
                 <a:schemeClr val="dk1"/>
               </a:solidFill>
@@ -28064,7 +28079,7 @@
               </a:spcAft>
               <a:buNone/>
             </a:pPr>
-            <a:endParaRPr sz="1800">
+            <a:endParaRPr sz="1800" dirty="0">
               <a:solidFill>
                 <a:schemeClr val="dk1"/>
               </a:solidFill>
@@ -28088,7 +28103,7 @@
               <a:buNone/>
             </a:pPr>
             <a:r>
-              <a:rPr lang="ru-RU" sz="1800">
+              <a:rPr lang="ru-RU" sz="1800" dirty="0">
                 <a:solidFill>
                   <a:schemeClr val="dk1"/>
                 </a:solidFill>
@@ -28099,7 +28114,7 @@
               </a:rPr>
               <a:t>Многомерный массив хранит один и более массивов</a:t>
             </a:r>
-            <a:endParaRPr sz="3000" b="1">
+            <a:endParaRPr sz="3000" b="1" dirty="0">
               <a:solidFill>
                 <a:schemeClr val="dk1"/>
               </a:solidFill>
@@ -28122,7 +28137,7 @@
               </a:spcAft>
               <a:buNone/>
             </a:pPr>
-            <a:endParaRPr sz="1800">
+            <a:endParaRPr sz="1800" dirty="0">
               <a:solidFill>
                 <a:schemeClr val="dk1"/>
               </a:solidFill>
@@ -28146,7 +28161,7 @@
               <a:buNone/>
             </a:pPr>
             <a:r>
-              <a:rPr lang="ru-RU" sz="1800">
+              <a:rPr lang="ru-RU" sz="1800" dirty="0">
                 <a:solidFill>
                   <a:schemeClr val="dk1"/>
                 </a:solidFill>
@@ -28157,7 +28172,7 @@
               </a:rPr>
               <a:t>Например, объявление двумерного массива целых чисел выглядит следующим образом.</a:t>
             </a:r>
-            <a:endParaRPr sz="1800">
+            <a:endParaRPr sz="1800" dirty="0">
               <a:solidFill>
                 <a:schemeClr val="dk1"/>
               </a:solidFill>
@@ -28180,7 +28195,7 @@
               </a:spcAft>
               <a:buNone/>
             </a:pPr>
-            <a:endParaRPr sz="1800">
+            <a:endParaRPr sz="1800" dirty="0">
               <a:solidFill>
                 <a:schemeClr val="dk1"/>
               </a:solidFill>
@@ -28203,7 +28218,7 @@
               </a:spcAft>
               <a:buNone/>
             </a:pPr>
-            <a:endParaRPr sz="1800">
+            <a:endParaRPr sz="1800" dirty="0">
               <a:solidFill>
                 <a:schemeClr val="dk1"/>
               </a:solidFill>
@@ -28369,15 +28384,24 @@
               <a:buNone/>
             </a:pPr>
             <a:r>
-              <a:rPr lang="ru-RU" sz="3000" b="1">
+              <a:rPr lang="ru-RU" sz="3000" b="1" dirty="0" err="1">
                 <a:latin typeface="Calibri"/>
                 <a:ea typeface="Calibri"/>
                 <a:cs typeface="Calibri"/>
                 <a:sym typeface="Calibri"/>
               </a:rPr>
-              <a:t>int x[3][4];</a:t>
+              <a:t>int</a:t>
             </a:r>
-            <a:endParaRPr sz="3000" b="1">
+            <a:r>
+              <a:rPr lang="ru-RU" sz="3000" b="1" dirty="0">
+                <a:latin typeface="Calibri"/>
+                <a:ea typeface="Calibri"/>
+                <a:cs typeface="Calibri"/>
+                <a:sym typeface="Calibri"/>
+              </a:rPr>
+              <a:t> x[3][4];</a:t>
+            </a:r>
+            <a:endParaRPr sz="3000" b="1" dirty="0">
               <a:latin typeface="Calibri"/>
               <a:ea typeface="Calibri"/>
               <a:cs typeface="Calibri"/>
@@ -28401,7 +28425,7 @@
               <a:buFont typeface="Arial"/>
               <a:buNone/>
             </a:pPr>
-            <a:endParaRPr sz="1800">
+            <a:endParaRPr sz="1800" dirty="0">
               <a:latin typeface="Calibri"/>
               <a:ea typeface="Calibri"/>
               <a:cs typeface="Calibri"/>
@@ -28426,7 +28450,7 @@
               <a:buNone/>
             </a:pPr>
             <a:r>
-              <a:rPr lang="ru-RU" sz="1800">
+              <a:rPr lang="ru-RU" sz="1800" dirty="0">
                 <a:latin typeface="Calibri"/>
                 <a:ea typeface="Calibri"/>
                 <a:cs typeface="Calibri"/>
@@ -28434,7 +28458,7 @@
               </a:rPr>
               <a:t>Такую конструкцию удобно представлять себе в виде таблицы, состоящей из 3 строк и 4 столбцов.</a:t>
             </a:r>
-            <a:endParaRPr sz="1800">
+            <a:endParaRPr sz="1800" dirty="0">
               <a:latin typeface="Calibri"/>
               <a:ea typeface="Calibri"/>
               <a:cs typeface="Calibri"/>
@@ -28459,7 +28483,7 @@
               <a:buNone/>
             </a:pPr>
             <a:r>
-              <a:rPr lang="ru-RU" sz="1800">
+              <a:rPr lang="ru-RU" sz="1800" dirty="0">
                 <a:latin typeface="Calibri"/>
                 <a:ea typeface="Calibri"/>
                 <a:cs typeface="Calibri"/>
@@ -28467,7 +28491,7 @@
               </a:rPr>
               <a:t>(Помните, что индексирование массивов начинается с 0)</a:t>
             </a:r>
-            <a:endParaRPr sz="1800">
+            <a:endParaRPr sz="1800" dirty="0">
               <a:latin typeface="Calibri"/>
               <a:ea typeface="Calibri"/>
               <a:cs typeface="Calibri"/>
@@ -28484,7 +28508,7 @@
               </a:spcAft>
               <a:buNone/>
             </a:pPr>
-            <a:endParaRPr/>
+            <a:endParaRPr dirty="0"/>
           </a:p>
         </p:txBody>
       </p:sp>
@@ -28951,7 +28975,7 @@
               <a:buNone/>
             </a:pPr>
             <a:r>
-              <a:rPr lang="ru-RU" sz="1800">
+              <a:rPr lang="ru-RU" sz="1800" dirty="0">
                 <a:solidFill>
                   <a:schemeClr val="dk1"/>
                 </a:solidFill>
@@ -28962,7 +28986,7 @@
               </a:rPr>
               <a:t>Многомерные массивы могут быть инициализированы с использованием заключения внутри специальных скобок для каждой строки</a:t>
             </a:r>
-            <a:endParaRPr sz="1800">
+            <a:endParaRPr sz="1800" dirty="0">
               <a:solidFill>
                 <a:schemeClr val="dk1"/>
               </a:solidFill>
@@ -28985,7 +29009,7 @@
               </a:spcAft>
               <a:buNone/>
             </a:pPr>
-            <a:endParaRPr sz="1800">
+            <a:endParaRPr sz="1800" dirty="0">
               <a:solidFill>
                 <a:schemeClr val="dk1"/>
               </a:solidFill>
@@ -29008,7 +29032,7 @@
               </a:spcAft>
               <a:buNone/>
             </a:pPr>
-            <a:endParaRPr sz="1800">
+            <a:endParaRPr sz="1800" dirty="0">
               <a:solidFill>
                 <a:schemeClr val="dk1"/>
               </a:solidFill>
@@ -29679,7 +29703,7 @@
               <a:buNone/>
             </a:pPr>
             <a:r>
-              <a:rPr lang="ru-RU" sz="1800" b="1">
+              <a:rPr lang="ru-RU" sz="1800" b="1" dirty="0">
                 <a:solidFill>
                   <a:schemeClr val="dk1"/>
                 </a:solidFill>
@@ -29690,7 +29714,7 @@
               </a:rPr>
               <a:t>Случайные числа (Псевдослучайные)</a:t>
             </a:r>
-            <a:endParaRPr sz="1800" b="1">
+            <a:endParaRPr sz="1800" b="1" dirty="0">
               <a:solidFill>
                 <a:schemeClr val="dk1"/>
               </a:solidFill>
@@ -29713,7 +29737,7 @@
               </a:spcAft>
               <a:buNone/>
             </a:pPr>
-            <a:endParaRPr sz="1800">
+            <a:endParaRPr sz="1800" dirty="0">
               <a:solidFill>
                 <a:schemeClr val="dk1"/>
               </a:solidFill>
@@ -29737,7 +29761,7 @@
               <a:buNone/>
             </a:pPr>
             <a:r>
-              <a:rPr lang="ru-RU" sz="1800">
+              <a:rPr lang="ru-RU" sz="1800" dirty="0">
                 <a:solidFill>
                   <a:schemeClr val="dk1"/>
                 </a:solidFill>
@@ -29749,7 +29773,7 @@
               <a:t>Возможность генерировать </a:t>
             </a:r>
             <a:r>
-              <a:rPr lang="ru-RU" sz="1800" b="1">
+              <a:rPr lang="ru-RU" sz="1800" b="1" dirty="0">
                 <a:solidFill>
                   <a:schemeClr val="dk1"/>
                 </a:solidFill>
@@ -29761,7 +29785,7 @@
               <a:t>случайные</a:t>
             </a:r>
             <a:r>
-              <a:rPr lang="ru-RU" sz="1800">
+              <a:rPr lang="ru-RU" sz="1800" dirty="0">
                 <a:solidFill>
                   <a:schemeClr val="dk1"/>
                 </a:solidFill>
@@ -29772,7 +29796,7 @@
               </a:rPr>
               <a:t> числа очень полезна во многих ситуациях, включая создания игр, программ статического моделирования и подобных продуктов.</a:t>
             </a:r>
-            <a:endParaRPr sz="1800">
+            <a:endParaRPr sz="1800" dirty="0">
               <a:solidFill>
                 <a:schemeClr val="dk1"/>
               </a:solidFill>
@@ -29795,7 +29819,7 @@
               </a:spcAft>
               <a:buNone/>
             </a:pPr>
-            <a:endParaRPr sz="1800">
+            <a:endParaRPr sz="1800" dirty="0">
               <a:solidFill>
                 <a:schemeClr val="dk1"/>
               </a:solidFill>
@@ -29819,7 +29843,7 @@
               <a:buNone/>
             </a:pPr>
             <a:r>
-              <a:rPr lang="ru-RU" sz="1800">
+              <a:rPr lang="ru-RU" sz="1800" dirty="0">
                 <a:solidFill>
                   <a:schemeClr val="dk1"/>
                 </a:solidFill>
@@ -29831,7 +29855,7 @@
               <a:t>В стандартной библиотеке С++ определена функция </a:t>
             </a:r>
             <a:r>
-              <a:rPr lang="ru-RU" sz="1800" b="1">
+              <a:rPr lang="ru-RU" sz="1800" b="1" dirty="0" err="1">
                 <a:solidFill>
                   <a:schemeClr val="dk1"/>
                 </a:solidFill>
@@ -29840,10 +29864,22 @@
                 <a:cs typeface="Calibri"/>
                 <a:sym typeface="Calibri"/>
               </a:rPr>
-              <a:t>rand()</a:t>
+              <a:t>rand</a:t>
             </a:r>
             <a:r>
-              <a:rPr lang="ru-RU" sz="1800">
+              <a:rPr lang="ru-RU" sz="1800" b="1" dirty="0">
+                <a:solidFill>
+                  <a:schemeClr val="dk1"/>
+                </a:solidFill>
+                <a:latin typeface="Calibri"/>
+                <a:ea typeface="Calibri"/>
+                <a:cs typeface="Calibri"/>
+                <a:sym typeface="Calibri"/>
+              </a:rPr>
+              <a:t>()</a:t>
+            </a:r>
+            <a:r>
+              <a:rPr lang="ru-RU" sz="1800" dirty="0">
                 <a:solidFill>
                   <a:schemeClr val="dk1"/>
                 </a:solidFill>
@@ -29855,7 +29891,7 @@
               <a:t>, которая возвращает псевдослучайное число. Для её использования необходимо с помощью директивы (инструкции) препроцессора подключить заголовочный файл </a:t>
             </a:r>
             <a:r>
-              <a:rPr lang="ru-RU" sz="1800" b="1">
+              <a:rPr lang="ru-RU" sz="1800" b="1" dirty="0">
                 <a:solidFill>
                   <a:schemeClr val="dk1"/>
                 </a:solidFill>
@@ -29864,9 +29900,33 @@
                 <a:cs typeface="Calibri"/>
                 <a:sym typeface="Calibri"/>
               </a:rPr>
-              <a:t>&lt;cstdlib&gt;</a:t>
+              <a:t>&lt;</a:t>
             </a:r>
-            <a:endParaRPr sz="1800" b="1">
+            <a:r>
+              <a:rPr lang="ru-RU" sz="1800" b="1" dirty="0" err="1">
+                <a:solidFill>
+                  <a:schemeClr val="dk1"/>
+                </a:solidFill>
+                <a:latin typeface="Calibri"/>
+                <a:ea typeface="Calibri"/>
+                <a:cs typeface="Calibri"/>
+                <a:sym typeface="Calibri"/>
+              </a:rPr>
+              <a:t>cstdlib</a:t>
+            </a:r>
+            <a:r>
+              <a:rPr lang="ru-RU" sz="1800" b="1" dirty="0">
+                <a:solidFill>
+                  <a:schemeClr val="dk1"/>
+                </a:solidFill>
+                <a:latin typeface="Calibri"/>
+                <a:ea typeface="Calibri"/>
+                <a:cs typeface="Calibri"/>
+                <a:sym typeface="Calibri"/>
+              </a:rPr>
+              <a:t>&gt;</a:t>
+            </a:r>
+            <a:endParaRPr sz="1800" b="1" dirty="0">
               <a:solidFill>
                 <a:schemeClr val="dk1"/>
               </a:solidFill>
@@ -29889,7 +29949,7 @@
               </a:spcAft>
               <a:buNone/>
             </a:pPr>
-            <a:endParaRPr sz="1800">
+            <a:endParaRPr sz="1800" dirty="0">
               <a:solidFill>
                 <a:schemeClr val="dk1"/>
               </a:solidFill>
@@ -33819,7 +33879,7 @@
               <a:buNone/>
             </a:pPr>
             <a:r>
-              <a:rPr lang="ru-RU" sz="1800" b="1" i="0" u="none" strike="noStrike" cap="none">
+              <a:rPr lang="ru-RU" sz="1800" b="1" i="0" u="none" strike="noStrike" cap="none" dirty="0">
                 <a:solidFill>
                   <a:srgbClr val="000000"/>
                 </a:solidFill>
@@ -33831,7 +33891,7 @@
               <a:t>Тема: </a:t>
             </a:r>
             <a:r>
-              <a:rPr lang="ru-RU" sz="1800" b="1">
+              <a:rPr lang="ru-RU" sz="1800" b="1" dirty="0">
                 <a:latin typeface="Calibri"/>
                 <a:ea typeface="Calibri"/>
                 <a:cs typeface="Calibri"/>
@@ -33839,7 +33899,7 @@
               </a:rPr>
               <a:t>Статическая и динамическая память</a:t>
             </a:r>
-            <a:endParaRPr sz="1800" b="0" i="0" u="none" strike="noStrike" cap="none">
+            <a:endParaRPr sz="1800" b="0" i="0" u="none" strike="noStrike" cap="none" dirty="0">
               <a:solidFill>
                 <a:schemeClr val="dk1"/>
               </a:solidFill>
@@ -33862,7 +33922,7 @@
               </a:spcAft>
               <a:buNone/>
             </a:pPr>
-            <a:endParaRPr sz="1800" b="0" i="0" u="none" strike="noStrike" cap="none">
+            <a:endParaRPr sz="1800" b="0" i="0" u="none" strike="noStrike" cap="none" dirty="0">
               <a:solidFill>
                 <a:schemeClr val="dk1"/>
               </a:solidFill>
@@ -33886,7 +33946,7 @@
               <a:buNone/>
             </a:pPr>
             <a:r>
-              <a:rPr lang="ru-RU" sz="1600" b="1" i="0" u="none" strike="noStrike" cap="none">
+              <a:rPr lang="ru-RU" sz="1600" b="1" i="0" u="none" strike="noStrike" cap="none" dirty="0">
                 <a:solidFill>
                   <a:srgbClr val="000000"/>
                 </a:solidFill>
@@ -33897,7 +33957,7 @@
               </a:rPr>
               <a:t>Цели и задачи:</a:t>
             </a:r>
-            <a:endParaRPr sz="1600" b="0" i="0" u="none" strike="noStrike" cap="none">
+            <a:endParaRPr sz="1600" b="0" i="0" u="none" strike="noStrike" cap="none" dirty="0">
               <a:solidFill>
                 <a:schemeClr val="dk1"/>
               </a:solidFill>
@@ -33920,7 +33980,7 @@
               </a:spcAft>
               <a:buNone/>
             </a:pPr>
-            <a:endParaRPr sz="1400" b="0" i="0" u="none" strike="noStrike" cap="none">
+            <a:endParaRPr sz="1400" b="0" i="0" u="none" strike="noStrike" cap="none" dirty="0">
               <a:solidFill>
                 <a:schemeClr val="dk1"/>
               </a:solidFill>
@@ -33946,7 +34006,7 @@
               <a:buChar char="●"/>
             </a:pPr>
             <a:r>
-              <a:rPr lang="ru-RU">
+              <a:rPr lang="ru-RU" dirty="0">
                 <a:latin typeface="Calibri"/>
                 <a:ea typeface="Calibri"/>
                 <a:cs typeface="Calibri"/>
@@ -33954,7 +34014,7 @@
               </a:rPr>
               <a:t>Научиться работать с динамической памятью</a:t>
             </a:r>
-            <a:endParaRPr sz="1400" b="0" i="0" u="none" strike="noStrike" cap="none">
+            <a:endParaRPr sz="1400" b="0" i="0" u="none" strike="noStrike" cap="none" dirty="0">
               <a:solidFill>
                 <a:schemeClr val="dk1"/>
               </a:solidFill>
@@ -33980,7 +34040,7 @@
               <a:buChar char="●"/>
             </a:pPr>
             <a:r>
-              <a:rPr lang="ru-RU">
+              <a:rPr lang="ru-RU" dirty="0">
                 <a:latin typeface="Calibri"/>
                 <a:ea typeface="Calibri"/>
                 <a:cs typeface="Calibri"/>
@@ -33988,7 +34048,7 @@
               </a:rPr>
               <a:t>Научиться работать с двойным указателем</a:t>
             </a:r>
-            <a:endParaRPr sz="1400" b="0" i="0" u="none" strike="noStrike" cap="none">
+            <a:endParaRPr sz="1400" b="0" i="0" u="none" strike="noStrike" cap="none" dirty="0">
               <a:solidFill>
                 <a:schemeClr val="dk1"/>
               </a:solidFill>
@@ -34014,7 +34074,7 @@
               <a:buChar char="●"/>
             </a:pPr>
             <a:r>
-              <a:rPr lang="ru-RU">
+              <a:rPr lang="ru-RU" dirty="0">
                 <a:latin typeface="Calibri"/>
                 <a:ea typeface="Calibri"/>
                 <a:cs typeface="Calibri"/>
@@ -34022,7 +34082,7 @@
               </a:rPr>
               <a:t>Научиться грамотному распределению ресурсов памяти </a:t>
             </a:r>
-            <a:endParaRPr/>
+            <a:endParaRPr dirty="0"/>
           </a:p>
           <a:p>
             <a:pPr marL="0" marR="0" lvl="0" indent="0" algn="l" rtl="0">
@@ -34034,7 +34094,7 @@
               </a:spcAft>
               <a:buNone/>
             </a:pPr>
-            <a:endParaRPr sz="1400" b="0" i="0" u="none" strike="noStrike" cap="none">
+            <a:endParaRPr sz="1400" b="0" i="0" u="none" strike="noStrike" cap="none" dirty="0">
               <a:solidFill>
                 <a:srgbClr val="000000"/>
               </a:solidFill>
@@ -34058,7 +34118,7 @@
               <a:buNone/>
             </a:pPr>
             <a:r>
-              <a:rPr lang="ru-RU" sz="1800" b="0" i="0" u="none" strike="noStrike" cap="none">
+              <a:rPr lang="ru-RU" sz="1800" b="0" i="0" u="none" strike="noStrike" cap="none" dirty="0">
                 <a:solidFill>
                   <a:schemeClr val="dk1"/>
                 </a:solidFill>
@@ -34070,7 +34130,7 @@
               <a:t/>
             </a:r>
             <a:br>
-              <a:rPr lang="ru-RU" sz="1800" b="0" i="0" u="none" strike="noStrike" cap="none">
+              <a:rPr lang="ru-RU" sz="1800" b="0" i="0" u="none" strike="noStrike" cap="none" dirty="0">
                 <a:solidFill>
                   <a:schemeClr val="dk1"/>
                 </a:solidFill>
@@ -34081,7 +34141,7 @@
               </a:rPr>
             </a:br>
             <a:r>
-              <a:rPr lang="ru-RU" sz="1600" b="1" i="0" u="none" strike="noStrike" cap="none">
+              <a:rPr lang="ru-RU" sz="1600" b="1" i="0" u="none" strike="noStrike" cap="none" dirty="0">
                 <a:solidFill>
                   <a:srgbClr val="000000"/>
                 </a:solidFill>
@@ -34092,7 +34152,7 @@
               </a:rPr>
               <a:t>По результатам занятия слушатель будет знать: </a:t>
             </a:r>
-            <a:endParaRPr sz="1600" b="0" i="0" u="none" strike="noStrike" cap="none">
+            <a:endParaRPr sz="1600" b="0" i="0" u="none" strike="noStrike" cap="none" dirty="0">
               <a:solidFill>
                 <a:schemeClr val="dk1"/>
               </a:solidFill>
@@ -34115,7 +34175,7 @@
               </a:spcAft>
               <a:buNone/>
             </a:pPr>
-            <a:endParaRPr sz="1600" b="0" i="0" u="none" strike="noStrike" cap="none">
+            <a:endParaRPr sz="1600" b="0" i="0" u="none" strike="noStrike" cap="none" dirty="0">
               <a:solidFill>
                 <a:schemeClr val="dk1"/>
               </a:solidFill>
@@ -34144,7 +34204,7 @@
               <a:buChar char="•"/>
             </a:pPr>
             <a:r>
-              <a:rPr lang="ru-RU">
+              <a:rPr lang="ru-RU" dirty="0">
                 <a:latin typeface="Calibri"/>
                 <a:ea typeface="Calibri"/>
                 <a:cs typeface="Calibri"/>
@@ -34152,7 +34212,7 @@
               </a:rPr>
               <a:t>В чём разница использования статической и динамической памяти</a:t>
             </a:r>
-            <a:endParaRPr/>
+            <a:endParaRPr dirty="0"/>
           </a:p>
           <a:p>
             <a:pPr marL="171359" marR="0" lvl="0" indent="-169919" algn="l" rtl="0">
@@ -34173,7 +34233,7 @@
               <a:buChar char="•"/>
             </a:pPr>
             <a:r>
-              <a:rPr lang="ru-RU">
+              <a:rPr lang="ru-RU" dirty="0">
                 <a:latin typeface="Calibri"/>
                 <a:ea typeface="Calibri"/>
                 <a:cs typeface="Calibri"/>
@@ -34181,7 +34241,7 @@
               </a:rPr>
               <a:t>Что такое указатель на указатель.</a:t>
             </a:r>
-            <a:endParaRPr>
+            <a:endParaRPr dirty="0">
               <a:latin typeface="Calibri"/>
               <a:ea typeface="Calibri"/>
               <a:cs typeface="Calibri"/>
@@ -34207,7 +34267,7 @@
               <a:buChar char="•"/>
             </a:pPr>
             <a:r>
-              <a:rPr lang="ru-RU">
+              <a:rPr lang="ru-RU" dirty="0">
                 <a:solidFill>
                   <a:schemeClr val="dk1"/>
                 </a:solidFill>
@@ -34218,7 +34278,7 @@
               </a:rPr>
               <a:t>Что такое двумерный массив</a:t>
             </a:r>
-            <a:endParaRPr>
+            <a:endParaRPr dirty="0">
               <a:solidFill>
                 <a:schemeClr val="dk1"/>
               </a:solidFill>
@@ -34247,7 +34307,7 @@
               <a:buChar char="•"/>
             </a:pPr>
             <a:r>
-              <a:rPr lang="ru-RU">
+              <a:rPr lang="ru-RU" dirty="0">
                 <a:solidFill>
                   <a:schemeClr val="dk1"/>
                 </a:solidFill>
@@ -34258,7 +34318,7 @@
               </a:rPr>
               <a:t>Что такое матрица</a:t>
             </a:r>
-            <a:endParaRPr>
+            <a:endParaRPr dirty="0">
               <a:solidFill>
                 <a:schemeClr val="dk1"/>
               </a:solidFill>
@@ -34635,7 +34695,7 @@
               <a:buNone/>
             </a:pPr>
             <a:r>
-              <a:rPr lang="ru-RU" sz="2000" b="1" i="0" u="none" strike="noStrike" cap="none">
+              <a:rPr lang="ru-RU" sz="2000" b="1" i="0" u="none" strike="noStrike" cap="none" dirty="0">
                 <a:solidFill>
                   <a:srgbClr val="000000"/>
                 </a:solidFill>
@@ -34644,25 +34704,10 @@
                 <a:cs typeface="Calibri"/>
                 <a:sym typeface="Calibri"/>
               </a:rPr>
-              <a:t>Тема: Объектно-ориентированное программирование. </a:t>
+              <a:t>Тема: </a:t>
             </a:r>
-            <a:endParaRPr/>
-          </a:p>
-          <a:p>
-            <a:pPr marL="0" marR="0" lvl="0" indent="0" algn="l" rtl="0">
-              <a:lnSpc>
-                <a:spcPct val="100000"/>
-              </a:lnSpc>
-              <a:spcBef>
-                <a:spcPts val="0"/>
-              </a:spcBef>
-              <a:spcAft>
-                <a:spcPts val="0"/>
-              </a:spcAft>
-              <a:buNone/>
-            </a:pPr>
             <a:r>
-              <a:rPr lang="ru-RU" sz="2000" b="1" i="0" u="none" strike="noStrike" cap="none">
+              <a:rPr lang="ru-RU" sz="2000" b="1" i="0" u="none" strike="noStrike" cap="none" dirty="0" smtClean="0">
                 <a:solidFill>
                   <a:srgbClr val="000000"/>
                 </a:solidFill>
@@ -34671,9 +34716,9 @@
                 <a:cs typeface="Calibri"/>
                 <a:sym typeface="Calibri"/>
               </a:rPr>
-              <a:t>			Классы в С++.</a:t>
+              <a:t>Статическая и динамическая память.</a:t>
             </a:r>
-            <a:endParaRPr sz="1800" b="0" i="0" u="none" strike="noStrike" cap="none">
+            <a:endParaRPr sz="1800" b="0" i="0" u="none" strike="noStrike" cap="none" dirty="0">
               <a:solidFill>
                 <a:schemeClr val="dk1"/>
               </a:solidFill>
@@ -34697,7 +34742,7 @@
               <a:buNone/>
             </a:pPr>
             <a:r>
-              <a:rPr lang="ru-RU" sz="2000" b="0" i="0" u="none" strike="noStrike" cap="none">
+              <a:rPr lang="ru-RU" sz="2000" b="0" i="0" u="none" strike="noStrike" cap="none" dirty="0">
                 <a:solidFill>
                   <a:srgbClr val="000000"/>
                 </a:solidFill>
@@ -34708,7 +34753,7 @@
               </a:rPr>
               <a:t> </a:t>
             </a:r>
-            <a:endParaRPr sz="2000" b="0" i="0" u="none" strike="noStrike" cap="none">
+            <a:endParaRPr sz="2000" b="0" i="0" u="none" strike="noStrike" cap="none" dirty="0">
               <a:solidFill>
                 <a:schemeClr val="dk1"/>
               </a:solidFill>
@@ -34758,7 +34803,7 @@
               <a:buNone/>
             </a:pPr>
             <a:r>
-              <a:rPr lang="ru-RU" sz="1600" b="1" i="0" u="none" strike="noStrike" cap="none">
+              <a:rPr lang="ru-RU" sz="1600" b="1" i="0" u="none" strike="noStrike" cap="none" dirty="0">
                 <a:solidFill>
                   <a:srgbClr val="000000"/>
                 </a:solidFill>
@@ -34770,7 +34815,7 @@
               <a:t>По результатам занятия слушатель будет уметь:</a:t>
             </a:r>
             <a:r>
-              <a:rPr lang="ru-RU" sz="1200" b="1" i="0" u="none" strike="noStrike" cap="none">
+              <a:rPr lang="ru-RU" sz="1200" b="1" i="0" u="none" strike="noStrike" cap="none" dirty="0">
                 <a:solidFill>
                   <a:srgbClr val="000000"/>
                 </a:solidFill>
@@ -34781,7 +34826,7 @@
               </a:rPr>
               <a:t> </a:t>
             </a:r>
-            <a:endParaRPr sz="1200" b="0" i="0" u="none" strike="noStrike" cap="none">
+            <a:endParaRPr sz="1200" b="0" i="0" u="none" strike="noStrike" cap="none" dirty="0">
               <a:solidFill>
                 <a:schemeClr val="dk1"/>
               </a:solidFill>
@@ -34804,7 +34849,7 @@
               </a:spcAft>
               <a:buNone/>
             </a:pPr>
-            <a:endParaRPr sz="1400" b="0" i="0" u="none" strike="noStrike" cap="none">
+            <a:endParaRPr sz="1400" b="0" i="0" u="none" strike="noStrike" cap="none" dirty="0">
               <a:solidFill>
                 <a:schemeClr val="dk1"/>
               </a:solidFill>
@@ -34830,7 +34875,7 @@
               <a:buChar char="●"/>
             </a:pPr>
             <a:r>
-              <a:rPr lang="ru-RU">
+              <a:rPr lang="ru-RU" dirty="0">
                 <a:latin typeface="Calibri"/>
                 <a:ea typeface="Calibri"/>
                 <a:cs typeface="Calibri"/>
@@ -34838,7 +34883,7 @@
               </a:rPr>
               <a:t>Создавать матрицы </a:t>
             </a:r>
-            <a:endParaRPr/>
+            <a:endParaRPr dirty="0"/>
           </a:p>
           <a:p>
             <a:pPr marL="216000" marR="0" lvl="0" indent="-216000" algn="l" rtl="0">
@@ -34856,7 +34901,7 @@
               <a:buChar char="●"/>
             </a:pPr>
             <a:r>
-              <a:rPr lang="ru-RU" sz="1400" b="0" i="0" u="none" strike="noStrike" cap="none">
+              <a:rPr lang="ru-RU" sz="1400" b="0" i="0" u="none" strike="noStrike" cap="none" dirty="0">
                 <a:solidFill>
                   <a:srgbClr val="000000"/>
                 </a:solidFill>
@@ -34867,7 +34912,7 @@
               </a:rPr>
               <a:t>Создавать поля и методы класса</a:t>
             </a:r>
-            <a:endParaRPr sz="1400" b="0" i="0" u="none" strike="noStrike" cap="none">
+            <a:endParaRPr sz="1400" b="0" i="0" u="none" strike="noStrike" cap="none" dirty="0">
               <a:solidFill>
                 <a:schemeClr val="dk1"/>
               </a:solidFill>
@@ -34892,7 +34937,7 @@
               <a:buFont typeface="Noto Sans Symbols"/>
               <a:buNone/>
             </a:pPr>
-            <a:endParaRPr sz="1400" b="0" i="0" u="none" strike="noStrike" cap="none">
+            <a:endParaRPr sz="1400" b="0" i="0" u="none" strike="noStrike" cap="none" dirty="0">
               <a:solidFill>
                 <a:schemeClr val="dk1"/>
               </a:solidFill>
@@ -34917,7 +34962,7 @@
               <a:buFont typeface="Noto Sans Symbols"/>
               <a:buNone/>
             </a:pPr>
-            <a:endParaRPr sz="1400" b="0" i="0" u="none" strike="noStrike" cap="none">
+            <a:endParaRPr sz="1400" b="0" i="0" u="none" strike="noStrike" cap="none" dirty="0">
               <a:solidFill>
                 <a:schemeClr val="dk1"/>
               </a:solidFill>
@@ -34941,7 +34986,7 @@
               <a:buNone/>
             </a:pPr>
             <a:r>
-              <a:rPr lang="ru-RU" sz="1600" b="1" i="0" u="none" strike="noStrike" cap="none">
+              <a:rPr lang="ru-RU" sz="1600" b="1" i="0" u="none" strike="noStrike" cap="none" dirty="0" err="1">
                 <a:solidFill>
                   <a:srgbClr val="000000"/>
                 </a:solidFill>
@@ -34950,9 +34995,21 @@
                 <a:cs typeface="Calibri"/>
                 <a:sym typeface="Calibri"/>
               </a:rPr>
-              <a:t>Тайминг занятия</a:t>
+              <a:t>Тайминг</a:t>
             </a:r>
-            <a:endParaRPr sz="1600" b="0" i="0" u="none" strike="noStrike" cap="none">
+            <a:r>
+              <a:rPr lang="ru-RU" sz="1600" b="1" i="0" u="none" strike="noStrike" cap="none" dirty="0">
+                <a:solidFill>
+                  <a:srgbClr val="000000"/>
+                </a:solidFill>
+                <a:latin typeface="Calibri"/>
+                <a:ea typeface="Calibri"/>
+                <a:cs typeface="Calibri"/>
+                <a:sym typeface="Calibri"/>
+              </a:rPr>
+              <a:t> занятия</a:t>
+            </a:r>
+            <a:endParaRPr sz="1600" b="0" i="0" u="none" strike="noStrike" cap="none" dirty="0">
               <a:solidFill>
                 <a:schemeClr val="dk1"/>
               </a:solidFill>
@@ -38771,7 +38828,7 @@
               <a:buNone/>
             </a:pPr>
             <a:r>
-              <a:rPr lang="ru-RU" sz="1800">
+              <a:rPr lang="ru-RU" sz="1800" dirty="0">
                 <a:solidFill>
                   <a:schemeClr val="dk1"/>
                 </a:solidFill>
@@ -38782,7 +38839,7 @@
               </a:rPr>
               <a:t>В программах на языке С++, память разделена на 2 части:</a:t>
             </a:r>
-            <a:endParaRPr sz="1800">
+            <a:endParaRPr sz="1800" dirty="0">
               <a:solidFill>
                 <a:schemeClr val="dk1"/>
               </a:solidFill>
@@ -38806,7 +38863,7 @@
               <a:buNone/>
             </a:pPr>
             <a:r>
-              <a:rPr lang="ru-RU" sz="1800" b="1">
+              <a:rPr lang="ru-RU" sz="1800" b="1" dirty="0">
                 <a:solidFill>
                   <a:schemeClr val="dk1"/>
                 </a:solidFill>
@@ -38815,10 +38872,34 @@
                 <a:cs typeface="Calibri"/>
                 <a:sym typeface="Calibri"/>
               </a:rPr>
-              <a:t>Стек (stack): </a:t>
+              <a:t>Стек (</a:t>
             </a:r>
             <a:r>
-              <a:rPr lang="ru-RU" sz="1800">
+              <a:rPr lang="ru-RU" sz="1800" b="1" dirty="0" err="1">
+                <a:solidFill>
+                  <a:schemeClr val="dk1"/>
+                </a:solidFill>
+                <a:latin typeface="Calibri"/>
+                <a:ea typeface="Calibri"/>
+                <a:cs typeface="Calibri"/>
+                <a:sym typeface="Calibri"/>
+              </a:rPr>
+              <a:t>stack</a:t>
+            </a:r>
+            <a:r>
+              <a:rPr lang="ru-RU" sz="1800" b="1" dirty="0">
+                <a:solidFill>
+                  <a:schemeClr val="dk1"/>
+                </a:solidFill>
+                <a:latin typeface="Calibri"/>
+                <a:ea typeface="Calibri"/>
+                <a:cs typeface="Calibri"/>
+                <a:sym typeface="Calibri"/>
+              </a:rPr>
+              <a:t>): </a:t>
+            </a:r>
+            <a:r>
+              <a:rPr lang="ru-RU" sz="1800" dirty="0">
                 <a:solidFill>
                   <a:schemeClr val="dk1"/>
                 </a:solidFill>
@@ -38829,7 +38910,7 @@
               </a:rPr>
               <a:t>все локальные переменные размещаются в памяти стека.</a:t>
             </a:r>
-            <a:endParaRPr sz="1800">
+            <a:endParaRPr sz="1800" dirty="0">
               <a:solidFill>
                 <a:schemeClr val="dk1"/>
               </a:solidFill>
@@ -38853,7 +38934,7 @@
               <a:buNone/>
             </a:pPr>
             <a:r>
-              <a:rPr lang="ru-RU" sz="1800" b="1">
+              <a:rPr lang="ru-RU" sz="1800" b="1" dirty="0">
                 <a:solidFill>
                   <a:schemeClr val="dk1"/>
                 </a:solidFill>
@@ -38862,10 +38943,34 @@
                 <a:cs typeface="Calibri"/>
                 <a:sym typeface="Calibri"/>
               </a:rPr>
-              <a:t>Куча (heap): </a:t>
+              <a:t>Куча (</a:t>
             </a:r>
             <a:r>
-              <a:rPr lang="ru-RU" sz="1800">
+              <a:rPr lang="ru-RU" sz="1800" b="1" dirty="0" err="1">
+                <a:solidFill>
+                  <a:schemeClr val="dk1"/>
+                </a:solidFill>
+                <a:latin typeface="Calibri"/>
+                <a:ea typeface="Calibri"/>
+                <a:cs typeface="Calibri"/>
+                <a:sym typeface="Calibri"/>
+              </a:rPr>
+              <a:t>heap</a:t>
+            </a:r>
+            <a:r>
+              <a:rPr lang="ru-RU" sz="1800" b="1" dirty="0">
+                <a:solidFill>
+                  <a:schemeClr val="dk1"/>
+                </a:solidFill>
+                <a:latin typeface="Calibri"/>
+                <a:ea typeface="Calibri"/>
+                <a:cs typeface="Calibri"/>
+                <a:sym typeface="Calibri"/>
+              </a:rPr>
+              <a:t>): </a:t>
+            </a:r>
+            <a:r>
+              <a:rPr lang="ru-RU" sz="1800" dirty="0">
                 <a:solidFill>
                   <a:schemeClr val="dk1"/>
                 </a:solidFill>
@@ -38877,7 +38982,7 @@
               <a:t>Неиспользованная программой память, которая может быть использована, когда программа </a:t>
             </a:r>
             <a:r>
-              <a:rPr lang="ru-RU" sz="1800" b="1">
+              <a:rPr lang="ru-RU" sz="1800" b="1" dirty="0">
                 <a:solidFill>
                   <a:schemeClr val="dk1"/>
                 </a:solidFill>
@@ -38889,7 +38994,7 @@
               <a:t>динамически</a:t>
             </a:r>
             <a:r>
-              <a:rPr lang="ru-RU" sz="1800">
+              <a:rPr lang="ru-RU" sz="1800" dirty="0">
                 <a:solidFill>
                   <a:schemeClr val="dk1"/>
                 </a:solidFill>
@@ -38900,7 +39005,7 @@
               </a:rPr>
               <a:t> выделяет память.</a:t>
             </a:r>
-            <a:endParaRPr sz="1800">
+            <a:endParaRPr sz="1800" dirty="0">
               <a:solidFill>
                 <a:schemeClr val="dk1"/>
               </a:solidFill>
@@ -38924,7 +39029,7 @@
               <a:buNone/>
             </a:pPr>
             <a:r>
-              <a:rPr lang="ru-RU" sz="1800">
+              <a:rPr lang="ru-RU" sz="1800" dirty="0">
                 <a:solidFill>
                   <a:schemeClr val="dk1"/>
                 </a:solidFill>
@@ -38935,7 +39040,7 @@
               </a:rPr>
               <a:t>Часто, вы не будете знать сколько памяти вам понадобится для хранения информации в определённых переменных и объём необходимой памяти будет определён  при запуске программы.</a:t>
             </a:r>
-            <a:endParaRPr sz="1800">
+            <a:endParaRPr sz="1800" dirty="0">
               <a:solidFill>
                 <a:schemeClr val="dk1"/>
               </a:solidFill>
@@ -38959,7 +39064,7 @@
               <a:buNone/>
             </a:pPr>
             <a:r>
-              <a:rPr lang="ru-RU" sz="1800">
+              <a:rPr lang="ru-RU" sz="1800" dirty="0">
                 <a:solidFill>
                   <a:schemeClr val="dk1"/>
                 </a:solidFill>
@@ -38971,7 +39076,7 @@
               <a:t>В таком случае вы можете выделить память во время выполнения программы с помощью кучи для переменных заданного типа используя оператор </a:t>
             </a:r>
             <a:r>
-              <a:rPr lang="ru-RU" sz="1800" b="1">
+              <a:rPr lang="ru-RU" sz="1800" b="1" dirty="0" err="1">
                 <a:solidFill>
                   <a:schemeClr val="dk1"/>
                 </a:solidFill>
@@ -38983,7 +39088,7 @@
               <a:t>new</a:t>
             </a:r>
             <a:r>
-              <a:rPr lang="ru-RU" sz="1800">
+              <a:rPr lang="ru-RU" sz="1800" dirty="0">
                 <a:solidFill>
                   <a:schemeClr val="dk1"/>
                 </a:solidFill>
@@ -38992,9 +39097,21 @@
                 <a:cs typeface="Calibri"/>
                 <a:sym typeface="Calibri"/>
               </a:rPr>
-              <a:t>, который возвращает адрес выделенной памяти</a:t>
+              <a:t>, который возвращает адрес выделенной </a:t>
             </a:r>
-            <a:endParaRPr sz="1800">
+            <a:r>
+              <a:rPr lang="ru-RU" sz="1800" dirty="0" smtClean="0">
+                <a:solidFill>
+                  <a:schemeClr val="dk1"/>
+                </a:solidFill>
+                <a:latin typeface="Calibri"/>
+                <a:ea typeface="Calibri"/>
+                <a:cs typeface="Calibri"/>
+                <a:sym typeface="Calibri"/>
+              </a:rPr>
+              <a:t>памяти.</a:t>
+            </a:r>
+            <a:endParaRPr sz="1800" dirty="0">
               <a:solidFill>
                 <a:schemeClr val="dk1"/>
               </a:solidFill>
@@ -39017,7 +39134,7 @@
               </a:spcAft>
               <a:buNone/>
             </a:pPr>
-            <a:endParaRPr sz="1600" b="0" i="0" u="none" strike="noStrike" cap="none">
+            <a:endParaRPr sz="1600" b="0" i="0" u="none" strike="noStrike" cap="none" dirty="0">
               <a:solidFill>
                 <a:schemeClr val="dk1"/>
               </a:solidFill>
@@ -39625,7 +39742,7 @@
               <a:buNone/>
             </a:pPr>
             <a:r>
-              <a:rPr lang="ru-RU" sz="1800">
+              <a:rPr lang="ru-RU" sz="1800" dirty="0">
                 <a:solidFill>
                   <a:schemeClr val="dk1"/>
                 </a:solidFill>
@@ -39637,7 +39754,7 @@
               <a:t>Выделенный адрес может быть сохранён в </a:t>
             </a:r>
             <a:r>
-              <a:rPr lang="ru-RU" sz="1800" b="1">
+              <a:rPr lang="ru-RU" sz="1800" b="1" dirty="0">
                 <a:solidFill>
                   <a:schemeClr val="dk1"/>
                 </a:solidFill>
@@ -39649,7 +39766,7 @@
               <a:t>указателе</a:t>
             </a:r>
             <a:r>
-              <a:rPr lang="ru-RU" sz="1800">
+              <a:rPr lang="ru-RU" sz="1800" dirty="0">
                 <a:solidFill>
                   <a:schemeClr val="dk1"/>
                 </a:solidFill>
@@ -39658,9 +39775,57 @@
                 <a:cs typeface="Calibri"/>
                 <a:sym typeface="Calibri"/>
               </a:rPr>
-              <a:t>, который в последствии может быть разадресован (разименован) для доступа к переменной (её значению)</a:t>
+              <a:t>, который в последствии может быть </a:t>
             </a:r>
-            <a:endParaRPr sz="1800">
+            <a:r>
+              <a:rPr lang="ru-RU" sz="1800" dirty="0" err="1">
+                <a:solidFill>
+                  <a:schemeClr val="dk1"/>
+                </a:solidFill>
+                <a:latin typeface="Calibri"/>
+                <a:ea typeface="Calibri"/>
+                <a:cs typeface="Calibri"/>
+                <a:sym typeface="Calibri"/>
+              </a:rPr>
+              <a:t>разадресован</a:t>
+            </a:r>
+            <a:r>
+              <a:rPr lang="ru-RU" sz="1800" dirty="0">
+                <a:solidFill>
+                  <a:schemeClr val="dk1"/>
+                </a:solidFill>
+                <a:latin typeface="Calibri"/>
+                <a:ea typeface="Calibri"/>
+                <a:cs typeface="Calibri"/>
+                <a:sym typeface="Calibri"/>
+              </a:rPr>
+              <a:t> (</a:t>
+            </a:r>
+            <a:r>
+              <a:rPr lang="ru-RU" sz="1800" dirty="0" err="1">
+                <a:solidFill>
+                  <a:schemeClr val="dk1"/>
+                </a:solidFill>
+                <a:latin typeface="Calibri"/>
+                <a:ea typeface="Calibri"/>
+                <a:cs typeface="Calibri"/>
+                <a:sym typeface="Calibri"/>
+              </a:rPr>
+              <a:t>разименован</a:t>
+            </a:r>
+            <a:r>
+              <a:rPr lang="ru-RU" sz="1800" dirty="0">
+                <a:solidFill>
+                  <a:schemeClr val="dk1"/>
+                </a:solidFill>
+                <a:latin typeface="Calibri"/>
+                <a:ea typeface="Calibri"/>
+                <a:cs typeface="Calibri"/>
+                <a:sym typeface="Calibri"/>
+              </a:rPr>
+              <a:t>) для доступа к переменной (её значению)</a:t>
+            </a:r>
+            <a:endParaRPr sz="1800" dirty="0">
               <a:solidFill>
                 <a:schemeClr val="dk1"/>
               </a:solidFill>
@@ -39683,7 +39848,7 @@
               </a:spcAft>
               <a:buNone/>
             </a:pPr>
-            <a:endParaRPr sz="1800">
+            <a:endParaRPr sz="1800" dirty="0">
               <a:solidFill>
                 <a:schemeClr val="dk1"/>
               </a:solidFill>
@@ -39706,7 +39871,7 @@
               </a:spcAft>
               <a:buNone/>
             </a:pPr>
-            <a:endParaRPr sz="1800">
+            <a:endParaRPr sz="1800" dirty="0">
               <a:solidFill>
                 <a:schemeClr val="dk1"/>
               </a:solidFill>
@@ -39868,7 +40033,7 @@
               <a:buNone/>
             </a:pPr>
             <a:r>
-              <a:rPr lang="ru-RU" sz="1800">
+              <a:rPr lang="ru-RU" sz="1800" dirty="0">
                 <a:solidFill>
                   <a:schemeClr val="dk1"/>
                 </a:solidFill>
@@ -39879,7 +40044,7 @@
               </a:rPr>
               <a:t>Имеем динамически выделенную память для целых чисел, а затем ей присвоено значение 5.</a:t>
             </a:r>
-            <a:endParaRPr sz="1800">
+            <a:endParaRPr sz="1800" dirty="0">
               <a:solidFill>
                 <a:schemeClr val="dk1"/>
               </a:solidFill>
@@ -39903,7 +40068,7 @@
               <a:buNone/>
             </a:pPr>
             <a:r>
-              <a:rPr lang="ru-RU" sz="1800">
+              <a:rPr lang="ru-RU" sz="1800" dirty="0">
                 <a:solidFill>
                   <a:schemeClr val="dk1"/>
                 </a:solidFill>
@@ -39914,7 +40079,7 @@
               </a:rPr>
               <a:t>Указатель p хранится в стеке как локальная переменная и хранит выделенный в куче адрес. Значение 5 хранится по этому адресу в куче</a:t>
             </a:r>
-            <a:endParaRPr sz="1800">
+            <a:endParaRPr sz="1800" dirty="0">
               <a:solidFill>
                 <a:schemeClr val="dk1"/>
               </a:solidFill>
@@ -40408,7 +40573,7 @@
         </p:nvSpPr>
         <p:spPr>
           <a:xfrm>
-            <a:off x="878100" y="1971925"/>
+            <a:off x="690125" y="1697760"/>
             <a:ext cx="7351800" cy="1226100"/>
           </a:xfrm>
           <a:prstGeom prst="rect">
@@ -40438,6 +40603,67 @@
               <a:buNone/>
             </a:pPr>
             <a:r>
+              <a:rPr lang="ru-RU" sz="1800" b="1" dirty="0" smtClean="0">
+                <a:solidFill>
+                  <a:schemeClr val="dk1"/>
+                </a:solidFill>
+                <a:latin typeface="Calibri"/>
+                <a:ea typeface="Calibri"/>
+                <a:cs typeface="Calibri"/>
+                <a:sym typeface="Calibri"/>
+              </a:rPr>
+              <a:t>Стек</a:t>
+            </a:r>
+          </a:p>
+          <a:p>
+            <a:pPr marL="0" marR="0" lvl="0" indent="0" algn="l" rtl="0">
+              <a:lnSpc>
+                <a:spcPct val="100000"/>
+              </a:lnSpc>
+              <a:spcBef>
+                <a:spcPts val="0"/>
+              </a:spcBef>
+              <a:spcAft>
+                <a:spcPts val="0"/>
+              </a:spcAft>
+              <a:buNone/>
+            </a:pPr>
+            <a:endParaRPr lang="ru-RU" sz="1800" dirty="0" smtClean="0">
+              <a:solidFill>
+                <a:schemeClr val="dk1"/>
+              </a:solidFill>
+              <a:latin typeface="Calibri"/>
+              <a:ea typeface="Calibri"/>
+              <a:cs typeface="Calibri"/>
+              <a:sym typeface="Calibri"/>
+            </a:endParaRPr>
+          </a:p>
+          <a:p>
+            <a:pPr marL="0" marR="0" lvl="0" indent="0" algn="l" rtl="0">
+              <a:lnSpc>
+                <a:spcPct val="100000"/>
+              </a:lnSpc>
+              <a:spcBef>
+                <a:spcPts val="0"/>
+              </a:spcBef>
+              <a:spcAft>
+                <a:spcPts val="0"/>
+              </a:spcAft>
+              <a:buNone/>
+            </a:pPr>
+            <a:r>
+              <a:rPr lang="ru-RU" sz="1800" dirty="0" smtClean="0">
+                <a:solidFill>
+                  <a:schemeClr val="dk1"/>
+                </a:solidFill>
+                <a:latin typeface="Calibri"/>
+                <a:ea typeface="Calibri"/>
+                <a:cs typeface="Calibri"/>
+                <a:sym typeface="Calibri"/>
+              </a:rPr>
+              <a:t>Для </a:t>
+            </a:r>
+            <a:r>
               <a:rPr lang="ru-RU" sz="1800" dirty="0">
                 <a:solidFill>
                   <a:schemeClr val="dk1"/>
@@ -40447,7 +40673,7 @@
                 <a:cs typeface="Calibri"/>
                 <a:sym typeface="Calibri"/>
               </a:rPr>
-              <a:t>Для локальных переменных в </a:t>
+              <a:t>локальных переменных в </a:t>
             </a:r>
             <a:r>
               <a:rPr lang="ru-RU" sz="1800" b="1" dirty="0">
@@ -40739,7 +40965,7 @@
         </p:blipFill>
         <p:spPr>
           <a:xfrm>
-            <a:off x="3308225" y="3326740"/>
+            <a:off x="3308225" y="3529022"/>
             <a:ext cx="2190750" cy="647700"/>
           </a:xfrm>
           <a:prstGeom prst="rect">
@@ -40789,7 +41015,7 @@
               <a:buNone/>
             </a:pPr>
             <a:r>
-              <a:rPr lang="ru-RU" sz="1800">
+              <a:rPr lang="ru-RU" sz="1800" dirty="0">
                 <a:solidFill>
                   <a:schemeClr val="dk1"/>
                 </a:solidFill>
@@ -40798,9 +41024,33 @@
                 <a:cs typeface="Calibri"/>
                 <a:sym typeface="Calibri"/>
               </a:rPr>
-              <a:t>Это выражение освобождает память, на которую указывает pointer.</a:t>
+              <a:t>Это выражение освобождает память, на которую указывает </a:t>
             </a:r>
-            <a:endParaRPr sz="1800">
+            <a:r>
+              <a:rPr lang="ru-RU" sz="1800" dirty="0" err="1">
+                <a:solidFill>
+                  <a:schemeClr val="dk1"/>
+                </a:solidFill>
+                <a:latin typeface="Calibri"/>
+                <a:ea typeface="Calibri"/>
+                <a:cs typeface="Calibri"/>
+                <a:sym typeface="Calibri"/>
+              </a:rPr>
+              <a:t>pointer</a:t>
+            </a:r>
+            <a:r>
+              <a:rPr lang="ru-RU" sz="1800" dirty="0">
+                <a:solidFill>
+                  <a:schemeClr val="dk1"/>
+                </a:solidFill>
+                <a:latin typeface="Calibri"/>
+                <a:ea typeface="Calibri"/>
+                <a:cs typeface="Calibri"/>
+                <a:sym typeface="Calibri"/>
+              </a:rPr>
+              <a:t>.</a:t>
+            </a:r>
+            <a:endParaRPr sz="1800" dirty="0">
               <a:solidFill>
                 <a:schemeClr val="dk1"/>
               </a:solidFill>
@@ -40823,7 +41073,7 @@
               </a:spcAft>
               <a:buNone/>
             </a:pPr>
-            <a:endParaRPr sz="1800">
+            <a:endParaRPr sz="1800" dirty="0">
               <a:solidFill>
                 <a:schemeClr val="dk1"/>
               </a:solidFill>
@@ -41345,8 +41595,8 @@
         </p:nvSpPr>
         <p:spPr>
           <a:xfrm>
-            <a:off x="846850" y="1680599"/>
-            <a:ext cx="7351800" cy="3496800"/>
+            <a:off x="846850" y="1680598"/>
+            <a:ext cx="7442820" cy="3805801"/>
           </a:xfrm>
           <a:prstGeom prst="rect">
             <a:avLst/>
@@ -41375,7 +41625,7 @@
               <a:buNone/>
             </a:pPr>
             <a:r>
-              <a:rPr lang="ru-RU" sz="1800">
+              <a:rPr lang="ru-RU" sz="1800" dirty="0">
                 <a:solidFill>
                   <a:schemeClr val="dk1"/>
                 </a:solidFill>
@@ -41386,7 +41636,7 @@
               </a:rPr>
               <a:t>Если забывать освобождать выделенную (динамически) память, то образуются утечки памяти, потому что эта память остаётся выделенной, пока программа не будет закрыта.</a:t>
             </a:r>
-            <a:endParaRPr sz="1800">
+            <a:endParaRPr sz="1800" dirty="0">
               <a:solidFill>
                 <a:schemeClr val="dk1"/>
               </a:solidFill>
@@ -41410,7 +41660,7 @@
               <a:buNone/>
             </a:pPr>
             <a:r>
-              <a:rPr lang="ru-RU" sz="1800">
+              <a:rPr lang="ru-RU" sz="1800" dirty="0">
                 <a:solidFill>
                   <a:schemeClr val="dk1"/>
                 </a:solidFill>
@@ -41422,7 +41672,7 @@
               <a:t>Оператор </a:t>
             </a:r>
             <a:r>
-              <a:rPr lang="ru-RU" sz="1800" b="1">
+              <a:rPr lang="ru-RU" sz="1800" b="1" dirty="0" err="1" smtClean="0">
                 <a:solidFill>
                   <a:schemeClr val="dk1"/>
                 </a:solidFill>
@@ -41431,10 +41681,10 @@
                 <a:cs typeface="Calibri"/>
                 <a:sym typeface="Calibri"/>
               </a:rPr>
-              <a:t>delete  </a:t>
+              <a:t>delete</a:t>
             </a:r>
             <a:r>
-              <a:rPr lang="ru-RU" sz="1800">
+              <a:rPr lang="ru-RU" sz="1800" b="1" dirty="0">
                 <a:solidFill>
                   <a:schemeClr val="dk1"/>
                 </a:solidFill>
@@ -41443,9 +41693,33 @@
                 <a:cs typeface="Calibri"/>
                 <a:sym typeface="Calibri"/>
               </a:rPr>
-              <a:t>освобождает память, выделенную для переменной, но не удаляет сам указатель (который хранит только адрес объекта), т к сам указатель хранится в стеке.</a:t>
+              <a:t> </a:t>
             </a:r>
-            <a:endParaRPr sz="1800">
+            <a:r>
+              <a:rPr lang="ru-RU" sz="1800" dirty="0" smtClean="0">
+                <a:solidFill>
+                  <a:schemeClr val="dk1"/>
+                </a:solidFill>
+                <a:latin typeface="Calibri"/>
+                <a:ea typeface="Calibri"/>
+                <a:cs typeface="Calibri"/>
+                <a:sym typeface="Calibri"/>
+              </a:rPr>
+              <a:t>освобождает </a:t>
+            </a:r>
+            <a:r>
+              <a:rPr lang="ru-RU" sz="1800" dirty="0">
+                <a:solidFill>
+                  <a:schemeClr val="dk1"/>
+                </a:solidFill>
+                <a:latin typeface="Calibri"/>
+                <a:ea typeface="Calibri"/>
+                <a:cs typeface="Calibri"/>
+                <a:sym typeface="Calibri"/>
+              </a:rPr>
+              <a:t>память, выделенную для переменной, но не удаляет сам указатель (который хранит только адрес объекта), т к сам указатель хранится в стеке.</a:t>
+            </a:r>
+            <a:endParaRPr sz="1800" dirty="0">
               <a:solidFill>
                 <a:schemeClr val="dk1"/>
               </a:solidFill>
@@ -41468,7 +41742,7 @@
               </a:spcAft>
               <a:buNone/>
             </a:pPr>
-            <a:endParaRPr sz="1800">
+            <a:endParaRPr sz="1800" dirty="0">
               <a:solidFill>
                 <a:schemeClr val="dk1"/>
               </a:solidFill>
@@ -41492,7 +41766,7 @@
               <a:buNone/>
             </a:pPr>
             <a:r>
-              <a:rPr lang="ru-RU" sz="1800">
+              <a:rPr lang="ru-RU" sz="1800" dirty="0">
                 <a:solidFill>
                   <a:schemeClr val="dk1"/>
                 </a:solidFill>
@@ -41503,7 +41777,7 @@
               </a:rPr>
               <a:t>Указатель NULL - это константа со значением равным нулю, которая определена в нескольких стандартных библиотеках.</a:t>
             </a:r>
-            <a:endParaRPr sz="1800">
+            <a:endParaRPr sz="1800" dirty="0">
               <a:solidFill>
                 <a:schemeClr val="dk1"/>
               </a:solidFill>
@@ -41526,7 +41800,7 @@
               </a:spcAft>
               <a:buNone/>
             </a:pPr>
-            <a:endParaRPr sz="1800">
+            <a:endParaRPr sz="1800" dirty="0">
               <a:solidFill>
                 <a:schemeClr val="dk1"/>
               </a:solidFill>
@@ -41550,7 +41824,7 @@
               <a:buNone/>
             </a:pPr>
             <a:r>
-              <a:rPr lang="ru-RU" sz="1800">
+              <a:rPr lang="ru-RU" sz="1800" dirty="0">
                 <a:solidFill>
                   <a:schemeClr val="dk1"/>
                 </a:solidFill>
@@ -41561,7 +41835,7 @@
               </a:rPr>
               <a:t>Присваивание NULL указателю при его объявлении является хорошей практикой, в случае если у вас нет точного адреса для присваивания.</a:t>
             </a:r>
-            <a:endParaRPr sz="1800">
+            <a:endParaRPr sz="1800" dirty="0">
               <a:solidFill>
                 <a:schemeClr val="dk1"/>
               </a:solidFill>
